--- a/DKU_Computer_Network_socket_programming2022.pptx
+++ b/DKU_Computer_Network_socket_programming2022.pptx
@@ -11782,975 +11782,6 @@
               <a:t>https://man7.org/linux/man-pages/man2/connect.2.html</a:t>
             </a:r>
             <a:endParaRPr lang="ko-KR" altLang="en-US" sz="1200" dirty="0">
-              <a:solidFill>
-                <a:srgbClr val="00A44A"/>
-              </a:solidFill>
-            </a:endParaRPr>
-          </a:p>
-        </p:txBody>
-      </p:sp>
-      <p:sp>
-        <p:nvSpPr>
-          <p:cNvPr id="16" name="직사각형 15">
-            <a:extLst>
-              <a:ext uri="{FF2B5EF4-FFF2-40B4-BE49-F238E27FC236}">
-                <a16:creationId xmlns:a16="http://schemas.microsoft.com/office/drawing/2014/main" id="{0994A4DC-2B3E-4CFF-A4CC-030AB46F8D91}"/>
-              </a:ext>
-            </a:extLst>
-          </p:cNvPr>
-          <p:cNvSpPr/>
-          <p:nvPr/>
-        </p:nvSpPr>
-        <p:spPr>
-          <a:xfrm>
-            <a:off x="690562" y="4475594"/>
-            <a:ext cx="8291597" cy="684941"/>
-          </a:xfrm>
-          <a:prstGeom prst="rect">
-            <a:avLst/>
-          </a:prstGeom>
-          <a:noFill/>
-          <a:ln>
-            <a:solidFill>
-              <a:srgbClr val="002060"/>
-            </a:solidFill>
-          </a:ln>
-        </p:spPr>
-        <p:style>
-          <a:lnRef idx="2">
-            <a:schemeClr val="accent1">
-              <a:shade val="50000"/>
-            </a:schemeClr>
-          </a:lnRef>
-          <a:fillRef idx="1">
-            <a:schemeClr val="accent1"/>
-          </a:fillRef>
-          <a:effectRef idx="0">
-            <a:schemeClr val="accent1"/>
-          </a:effectRef>
-          <a:fontRef idx="minor">
-            <a:schemeClr val="lt1"/>
-          </a:fontRef>
-        </p:style>
-        <p:txBody>
-          <a:bodyPr rtlCol="0" anchor="ctr"/>
-          <a:lstStyle/>
-          <a:p>
-            <a:r>
-              <a:rPr lang="en-US" altLang="ko-KR" sz="2000" dirty="0">
-                <a:solidFill>
-                  <a:schemeClr val="tx1"/>
-                </a:solidFill>
-                <a:latin typeface="Abadi" panose="020B0604020104020204" pitchFamily="34" charset="0"/>
-              </a:rPr>
-              <a:t>#include </a:t>
-            </a:r>
-            <a:r>
-              <a:rPr lang="en-US" altLang="ko-KR" sz="2000" dirty="0">
-                <a:solidFill>
-                  <a:srgbClr val="7030A0"/>
-                </a:solidFill>
-                <a:latin typeface="Abadi" panose="020B0604020104020204" pitchFamily="34" charset="0"/>
-              </a:rPr>
-              <a:t>&lt;sys/</a:t>
-            </a:r>
-            <a:r>
-              <a:rPr lang="en-US" altLang="ko-KR" sz="2000" dirty="0" err="1">
-                <a:solidFill>
-                  <a:srgbClr val="7030A0"/>
-                </a:solidFill>
-                <a:latin typeface="Abadi" panose="020B0604020104020204" pitchFamily="34" charset="0"/>
-              </a:rPr>
-              <a:t>socket.h</a:t>
-            </a:r>
-            <a:r>
-              <a:rPr lang="en-US" altLang="ko-KR" sz="2000" dirty="0">
-                <a:solidFill>
-                  <a:srgbClr val="7030A0"/>
-                </a:solidFill>
-                <a:latin typeface="Abadi" panose="020B0604020104020204" pitchFamily="34" charset="0"/>
-              </a:rPr>
-              <a:t>&gt;</a:t>
-            </a:r>
-          </a:p>
-          <a:p>
-            <a:r>
-              <a:rPr lang="en-US" altLang="ko-KR" sz="2000" dirty="0">
-                <a:solidFill>
-                  <a:schemeClr val="tx1"/>
-                </a:solidFill>
-                <a:latin typeface="Abadi" panose="020B0604020104020204" pitchFamily="34" charset="0"/>
-              </a:rPr>
-              <a:t>int accept(int </a:t>
-            </a:r>
-            <a:r>
-              <a:rPr lang="en-US" altLang="ko-KR" sz="2000" dirty="0" err="1">
-                <a:solidFill>
-                  <a:srgbClr val="00B050"/>
-                </a:solidFill>
-                <a:latin typeface="Abadi" panose="020B0604020104020204" pitchFamily="34" charset="0"/>
-              </a:rPr>
-              <a:t>sockfd</a:t>
-            </a:r>
-            <a:r>
-              <a:rPr lang="en-US" altLang="ko-KR" sz="2000" dirty="0">
-                <a:solidFill>
-                  <a:schemeClr val="tx1"/>
-                </a:solidFill>
-                <a:latin typeface="Abadi" panose="020B0604020104020204" pitchFamily="34" charset="0"/>
-              </a:rPr>
-              <a:t>, const struct </a:t>
-            </a:r>
-            <a:r>
-              <a:rPr lang="en-US" altLang="ko-KR" sz="2000" dirty="0" err="1">
-                <a:solidFill>
-                  <a:schemeClr val="tx1"/>
-                </a:solidFill>
-                <a:latin typeface="Abadi" panose="020B0604020104020204" pitchFamily="34" charset="0"/>
-              </a:rPr>
-              <a:t>sockaddr</a:t>
-            </a:r>
-            <a:r>
-              <a:rPr lang="en-US" altLang="ko-KR" sz="2000" dirty="0">
-                <a:solidFill>
-                  <a:schemeClr val="tx1"/>
-                </a:solidFill>
-                <a:latin typeface="Abadi" panose="020B0604020104020204" pitchFamily="34" charset="0"/>
-              </a:rPr>
-              <a:t> *</a:t>
-            </a:r>
-            <a:r>
-              <a:rPr lang="en-US" altLang="ko-KR" sz="2000" dirty="0" err="1">
-                <a:solidFill>
-                  <a:srgbClr val="00A44A"/>
-                </a:solidFill>
-                <a:latin typeface="Abadi" panose="020B0604020104020204" pitchFamily="34" charset="0"/>
-              </a:rPr>
-              <a:t>addr</a:t>
-            </a:r>
-            <a:r>
-              <a:rPr lang="en-US" altLang="ko-KR" sz="2000" dirty="0">
-                <a:solidFill>
-                  <a:schemeClr val="tx1"/>
-                </a:solidFill>
-                <a:latin typeface="Abadi" panose="020B0604020104020204" pitchFamily="34" charset="0"/>
-              </a:rPr>
-              <a:t>, </a:t>
-            </a:r>
-            <a:r>
-              <a:rPr lang="en-US" altLang="ko-KR" sz="2000" dirty="0" err="1">
-                <a:solidFill>
-                  <a:schemeClr val="tx1"/>
-                </a:solidFill>
-                <a:latin typeface="Abadi" panose="020B0604020104020204" pitchFamily="34" charset="0"/>
-              </a:rPr>
-              <a:t>socklen_t</a:t>
-            </a:r>
-            <a:r>
-              <a:rPr lang="en-US" altLang="ko-KR" sz="2000" dirty="0">
-                <a:solidFill>
-                  <a:schemeClr val="tx1"/>
-                </a:solidFill>
-                <a:latin typeface="Abadi" panose="020B0604020104020204" pitchFamily="34" charset="0"/>
-              </a:rPr>
-              <a:t> </a:t>
-            </a:r>
-            <a:r>
-              <a:rPr lang="en-US" altLang="ko-KR" sz="2000" dirty="0" err="1">
-                <a:solidFill>
-                  <a:srgbClr val="00A44A"/>
-                </a:solidFill>
-                <a:latin typeface="Abadi" panose="020B0604020104020204" pitchFamily="34" charset="0"/>
-              </a:rPr>
-              <a:t>addrlen</a:t>
-            </a:r>
-            <a:r>
-              <a:rPr lang="en-US" altLang="ko-KR" sz="2000" dirty="0">
-                <a:solidFill>
-                  <a:schemeClr val="tx1"/>
-                </a:solidFill>
-                <a:latin typeface="Abadi" panose="020B0604020104020204" pitchFamily="34" charset="0"/>
-              </a:rPr>
-              <a:t>)</a:t>
-            </a:r>
-            <a:endParaRPr lang="ko-KR" altLang="en-US" sz="2000" dirty="0">
-              <a:solidFill>
-                <a:schemeClr val="tx1"/>
-              </a:solidFill>
-              <a:latin typeface="Abadi" panose="020B0604020104020204" pitchFamily="34" charset="0"/>
-            </a:endParaRPr>
-          </a:p>
-        </p:txBody>
-      </p:sp>
-      <p:sp>
-        <p:nvSpPr>
-          <p:cNvPr id="17" name="TextBox 16">
-            <a:extLst>
-              <a:ext uri="{FF2B5EF4-FFF2-40B4-BE49-F238E27FC236}">
-                <a16:creationId xmlns:a16="http://schemas.microsoft.com/office/drawing/2014/main" id="{F5B3489D-5CEC-418F-A811-1142E2E062FF}"/>
-              </a:ext>
-            </a:extLst>
-          </p:cNvPr>
-          <p:cNvSpPr txBox="1"/>
-          <p:nvPr/>
-        </p:nvSpPr>
-        <p:spPr>
-          <a:xfrm>
-            <a:off x="4357431" y="5215856"/>
-            <a:ext cx="4634474" cy="276999"/>
-          </a:xfrm>
-          <a:prstGeom prst="rect">
-            <a:avLst/>
-          </a:prstGeom>
-          <a:noFill/>
-        </p:spPr>
-        <p:txBody>
-          <a:bodyPr wrap="none" rtlCol="0">
-            <a:spAutoFit/>
-          </a:bodyPr>
-          <a:lstStyle/>
-          <a:p>
-            <a:r>
-              <a:rPr lang="en-US" altLang="ko-KR" sz="1200" dirty="0">
-                <a:solidFill>
-                  <a:srgbClr val="00A44A"/>
-                </a:solidFill>
-              </a:rPr>
-              <a:t>Source : https://man7.org/linux/man-pages/man2/accept.2.html</a:t>
-            </a:r>
-            <a:endParaRPr lang="ko-KR" altLang="en-US" sz="1200" dirty="0">
-              <a:solidFill>
-                <a:srgbClr val="00A44A"/>
-              </a:solidFill>
-            </a:endParaRPr>
-          </a:p>
-        </p:txBody>
-      </p:sp>
-      <p:sp>
-        <p:nvSpPr>
-          <p:cNvPr id="18" name="직사각형 17">
-            <a:extLst>
-              <a:ext uri="{FF2B5EF4-FFF2-40B4-BE49-F238E27FC236}">
-                <a16:creationId xmlns:a16="http://schemas.microsoft.com/office/drawing/2014/main" id="{AF95896A-B2D3-42ED-8F57-884D4029967C}"/>
-              </a:ext>
-            </a:extLst>
-          </p:cNvPr>
-          <p:cNvSpPr/>
-          <p:nvPr/>
-        </p:nvSpPr>
-        <p:spPr>
-          <a:xfrm>
-            <a:off x="690562" y="3501088"/>
-            <a:ext cx="8291597" cy="684941"/>
-          </a:xfrm>
-          <a:prstGeom prst="rect">
-            <a:avLst/>
-          </a:prstGeom>
-          <a:noFill/>
-          <a:ln>
-            <a:solidFill>
-              <a:srgbClr val="002060"/>
-            </a:solidFill>
-          </a:ln>
-        </p:spPr>
-        <p:style>
-          <a:lnRef idx="2">
-            <a:schemeClr val="accent1">
-              <a:shade val="50000"/>
-            </a:schemeClr>
-          </a:lnRef>
-          <a:fillRef idx="1">
-            <a:schemeClr val="accent1"/>
-          </a:fillRef>
-          <a:effectRef idx="0">
-            <a:schemeClr val="accent1"/>
-          </a:effectRef>
-          <a:fontRef idx="minor">
-            <a:schemeClr val="lt1"/>
-          </a:fontRef>
-        </p:style>
-        <p:txBody>
-          <a:bodyPr rtlCol="0" anchor="ctr"/>
-          <a:lstStyle/>
-          <a:p>
-            <a:r>
-              <a:rPr lang="en-US" altLang="ko-KR" sz="2000" dirty="0">
-                <a:solidFill>
-                  <a:schemeClr val="tx1"/>
-                </a:solidFill>
-                <a:latin typeface="Abadi" panose="020B0604020104020204" pitchFamily="34" charset="0"/>
-              </a:rPr>
-              <a:t>#include </a:t>
-            </a:r>
-            <a:r>
-              <a:rPr lang="en-US" altLang="ko-KR" sz="2000" dirty="0">
-                <a:solidFill>
-                  <a:srgbClr val="7030A0"/>
-                </a:solidFill>
-                <a:latin typeface="Abadi" panose="020B0604020104020204" pitchFamily="34" charset="0"/>
-              </a:rPr>
-              <a:t>&lt;sys/</a:t>
-            </a:r>
-            <a:r>
-              <a:rPr lang="en-US" altLang="ko-KR" sz="2000" dirty="0" err="1">
-                <a:solidFill>
-                  <a:srgbClr val="7030A0"/>
-                </a:solidFill>
-                <a:latin typeface="Abadi" panose="020B0604020104020204" pitchFamily="34" charset="0"/>
-              </a:rPr>
-              <a:t>socket.h</a:t>
-            </a:r>
-            <a:r>
-              <a:rPr lang="en-US" altLang="ko-KR" sz="2000" dirty="0">
-                <a:solidFill>
-                  <a:srgbClr val="7030A0"/>
-                </a:solidFill>
-                <a:latin typeface="Abadi" panose="020B0604020104020204" pitchFamily="34" charset="0"/>
-              </a:rPr>
-              <a:t>&gt;</a:t>
-            </a:r>
-          </a:p>
-          <a:p>
-            <a:r>
-              <a:rPr lang="en-US" altLang="ko-KR" sz="2000" dirty="0">
-                <a:solidFill>
-                  <a:schemeClr val="tx1"/>
-                </a:solidFill>
-                <a:latin typeface="Abadi" panose="020B0604020104020204" pitchFamily="34" charset="0"/>
-              </a:rPr>
-              <a:t>int listen(int </a:t>
-            </a:r>
-            <a:r>
-              <a:rPr lang="en-US" altLang="ko-KR" sz="2000" dirty="0" err="1">
-                <a:solidFill>
-                  <a:srgbClr val="00B050"/>
-                </a:solidFill>
-                <a:latin typeface="Abadi" panose="020B0604020104020204" pitchFamily="34" charset="0"/>
-              </a:rPr>
-              <a:t>sockfd</a:t>
-            </a:r>
-            <a:r>
-              <a:rPr lang="en-US" altLang="ko-KR" sz="2000" dirty="0">
-                <a:solidFill>
-                  <a:schemeClr val="tx1"/>
-                </a:solidFill>
-                <a:latin typeface="Abadi" panose="020B0604020104020204" pitchFamily="34" charset="0"/>
-              </a:rPr>
-              <a:t>, int </a:t>
-            </a:r>
-            <a:r>
-              <a:rPr lang="en-US" altLang="ko-KR" sz="2000" dirty="0">
-                <a:solidFill>
-                  <a:srgbClr val="00A44A"/>
-                </a:solidFill>
-                <a:latin typeface="Abadi" panose="020B0604020104020204" pitchFamily="34" charset="0"/>
-              </a:rPr>
-              <a:t>backlog</a:t>
-            </a:r>
-            <a:r>
-              <a:rPr lang="en-US" altLang="ko-KR" sz="2000" dirty="0">
-                <a:solidFill>
-                  <a:schemeClr val="tx1"/>
-                </a:solidFill>
-                <a:latin typeface="Abadi" panose="020B0604020104020204" pitchFamily="34" charset="0"/>
-              </a:rPr>
-              <a:t>)</a:t>
-            </a:r>
-            <a:endParaRPr lang="ko-KR" altLang="en-US" sz="2000" dirty="0">
-              <a:solidFill>
-                <a:schemeClr val="tx1"/>
-              </a:solidFill>
-              <a:latin typeface="Abadi" panose="020B0604020104020204" pitchFamily="34" charset="0"/>
-            </a:endParaRPr>
-          </a:p>
-        </p:txBody>
-      </p:sp>
-      <p:sp>
-        <p:nvSpPr>
-          <p:cNvPr id="20" name="TextBox 19">
-            <a:extLst>
-              <a:ext uri="{FF2B5EF4-FFF2-40B4-BE49-F238E27FC236}">
-                <a16:creationId xmlns:a16="http://schemas.microsoft.com/office/drawing/2014/main" id="{772C2853-822F-4C26-A8E7-BC802D9560A3}"/>
-              </a:ext>
-            </a:extLst>
-          </p:cNvPr>
-          <p:cNvSpPr txBox="1"/>
-          <p:nvPr/>
-        </p:nvSpPr>
-        <p:spPr>
-          <a:xfrm>
-            <a:off x="2863126" y="4187429"/>
-            <a:ext cx="6096000" cy="276999"/>
-          </a:xfrm>
-          <a:prstGeom prst="rect">
-            <a:avLst/>
-          </a:prstGeom>
-          <a:noFill/>
-        </p:spPr>
-        <p:txBody>
-          <a:bodyPr wrap="square">
-            <a:spAutoFit/>
-          </a:bodyPr>
-          <a:lstStyle/>
-          <a:p>
-            <a:pPr algn="r"/>
-            <a:r>
-              <a:rPr lang="en-US" altLang="ko-KR" sz="1200" dirty="0">
-                <a:solidFill>
-                  <a:srgbClr val="00A44A"/>
-                </a:solidFill>
-              </a:rPr>
-              <a:t>Source : </a:t>
-            </a:r>
-            <a:r>
-              <a:rPr lang="ko-KR" altLang="en-US" sz="1200" dirty="0">
-                <a:solidFill>
-                  <a:srgbClr val="00A44A"/>
-                </a:solidFill>
-              </a:rPr>
-              <a:t>https://man7.org/linux/man-pages/man2/listen.2.html</a:t>
-            </a:r>
-          </a:p>
-        </p:txBody>
-      </p:sp>
-      <p:sp>
-        <p:nvSpPr>
-          <p:cNvPr id="21" name="Rectangle 1">
-            <a:extLst>
-              <a:ext uri="{FF2B5EF4-FFF2-40B4-BE49-F238E27FC236}">
-                <a16:creationId xmlns:a16="http://schemas.microsoft.com/office/drawing/2014/main" id="{4215F093-C6FE-4821-85CD-E4649B35CB96}"/>
-              </a:ext>
-            </a:extLst>
-          </p:cNvPr>
-          <p:cNvSpPr>
-            <a:spLocks noChangeArrowheads="1"/>
-          </p:cNvSpPr>
-          <p:nvPr/>
-        </p:nvSpPr>
-        <p:spPr bwMode="auto">
-          <a:xfrm>
-            <a:off x="690562" y="5462077"/>
-            <a:ext cx="8301343" cy="923330"/>
-          </a:xfrm>
-          <a:prstGeom prst="rect">
-            <a:avLst/>
-          </a:prstGeom>
-          <a:noFill/>
-          <a:ln w="9525">
-            <a:solidFill>
-              <a:schemeClr val="tx1"/>
-            </a:solidFill>
-            <a:miter lim="800000"/>
-            <a:headEnd/>
-            <a:tailEnd/>
-          </a:ln>
-          <a:effectLst/>
-          <a:extLst>
-            <a:ext uri="{909E8E84-426E-40DD-AFC4-6F175D3DCCD1}">
-              <a14:hiddenFill xmlns:a14="http://schemas.microsoft.com/office/drawing/2010/main">
-                <a:solidFill>
-                  <a:schemeClr val="accent1"/>
-                </a:solidFill>
-              </a14:hiddenFill>
-            </a:ext>
-            <a:ext uri="{AF507438-7753-43E0-B8FC-AC1667EBCBE1}">
-              <a14:hiddenEffects xmlns:a14="http://schemas.microsoft.com/office/drawing/2010/main">
-                <a:effectLst>
-                  <a:outerShdw dist="35921" dir="2700000" algn="ctr" rotWithShape="0">
-                    <a:schemeClr val="bg2"/>
-                  </a:outerShdw>
-                </a:effectLst>
-              </a14:hiddenEffects>
-            </a:ext>
-          </a:extLst>
-        </p:spPr>
-        <p:txBody>
-          <a:bodyPr vert="horz" wrap="square" lIns="50784" tIns="45720" rIns="91440" bIns="45720" numCol="1" anchor="ctr" anchorCtr="0" compatLnSpc="1">
-            <a:prstTxWarp prst="textNoShape">
-              <a:avLst/>
-            </a:prstTxWarp>
-            <a:spAutoFit/>
-          </a:bodyPr>
-          <a:lstStyle/>
-          <a:p>
-            <a:pPr marL="0" marR="0" lvl="0" indent="0" algn="l" defTabSz="914400" rtl="0" eaLnBrk="0" fontAlgn="base" latinLnBrk="0" hangingPunct="0">
-              <a:lnSpc>
-                <a:spcPct val="100000"/>
-              </a:lnSpc>
-              <a:spcBef>
-                <a:spcPct val="0"/>
-              </a:spcBef>
-              <a:spcAft>
-                <a:spcPct val="0"/>
-              </a:spcAft>
-              <a:buClrTx/>
-              <a:buSzTx/>
-              <a:buFontTx/>
-              <a:buNone/>
-              <a:tabLst/>
-            </a:pPr>
-            <a:r>
-              <a:rPr kumimoji="0" lang="ko-KR" altLang="ko-KR" sz="2000" b="1" i="0" u="none" strike="noStrike" cap="none" normalizeH="0" baseline="0" dirty="0">
-                <a:ln>
-                  <a:noFill/>
-                </a:ln>
-                <a:effectLst/>
-                <a:latin typeface="Abadi" panose="020B0604020104020204" pitchFamily="34" charset="0"/>
-                <a:ea typeface="Courier New" panose="02070309020205020404" pitchFamily="49" charset="0"/>
-              </a:rPr>
-              <a:t>#include </a:t>
-            </a:r>
-            <a:r>
-              <a:rPr kumimoji="0" lang="ko-KR" altLang="ko-KR" sz="2000" b="1" i="0" u="none" strike="noStrike" cap="none" normalizeH="0" baseline="0" dirty="0">
-                <a:ln>
-                  <a:noFill/>
-                </a:ln>
-                <a:solidFill>
-                  <a:srgbClr val="7030A0"/>
-                </a:solidFill>
-                <a:effectLst/>
-                <a:latin typeface="Abadi" panose="020B0604020104020204" pitchFamily="34" charset="0"/>
-                <a:ea typeface="Courier New" panose="02070309020205020404" pitchFamily="49" charset="0"/>
-              </a:rPr>
-              <a:t>&lt;</a:t>
-            </a:r>
-            <a:r>
-              <a:rPr kumimoji="0" lang="ko-KR" altLang="ko-KR" sz="2000" b="1" i="0" u="none" strike="noStrike" cap="none" normalizeH="0" baseline="0" dirty="0" err="1">
-                <a:ln>
-                  <a:noFill/>
-                </a:ln>
-                <a:solidFill>
-                  <a:srgbClr val="7030A0"/>
-                </a:solidFill>
-                <a:effectLst/>
-                <a:latin typeface="Abadi" panose="020B0604020104020204" pitchFamily="34" charset="0"/>
-                <a:ea typeface="Courier New" panose="02070309020205020404" pitchFamily="49" charset="0"/>
-              </a:rPr>
-              <a:t>sys</a:t>
-            </a:r>
-            <a:r>
-              <a:rPr kumimoji="0" lang="ko-KR" altLang="ko-KR" sz="2000" b="1" i="0" u="none" strike="noStrike" cap="none" normalizeH="0" baseline="0" dirty="0">
-                <a:ln>
-                  <a:noFill/>
-                </a:ln>
-                <a:solidFill>
-                  <a:srgbClr val="7030A0"/>
-                </a:solidFill>
-                <a:effectLst/>
-                <a:latin typeface="Abadi" panose="020B0604020104020204" pitchFamily="34" charset="0"/>
-                <a:ea typeface="Courier New" panose="02070309020205020404" pitchFamily="49" charset="0"/>
-              </a:rPr>
-              <a:t>/</a:t>
-            </a:r>
-            <a:r>
-              <a:rPr kumimoji="0" lang="ko-KR" altLang="ko-KR" sz="2000" b="1" i="0" u="none" strike="noStrike" cap="none" normalizeH="0" baseline="0" dirty="0" err="1">
-                <a:ln>
-                  <a:noFill/>
-                </a:ln>
-                <a:solidFill>
-                  <a:srgbClr val="7030A0"/>
-                </a:solidFill>
-                <a:effectLst/>
-                <a:latin typeface="Abadi" panose="020B0604020104020204" pitchFamily="34" charset="0"/>
-                <a:ea typeface="Courier New" panose="02070309020205020404" pitchFamily="49" charset="0"/>
-              </a:rPr>
-              <a:t>socket.h</a:t>
-            </a:r>
-            <a:r>
-              <a:rPr kumimoji="0" lang="ko-KR" altLang="ko-KR" sz="2000" b="1" i="0" u="none" strike="noStrike" cap="none" normalizeH="0" baseline="0" dirty="0">
-                <a:ln>
-                  <a:noFill/>
-                </a:ln>
-                <a:solidFill>
-                  <a:srgbClr val="7030A0"/>
-                </a:solidFill>
-                <a:effectLst/>
-                <a:latin typeface="Abadi" panose="020B0604020104020204" pitchFamily="34" charset="0"/>
-                <a:ea typeface="Courier New" panose="02070309020205020404" pitchFamily="49" charset="0"/>
-              </a:rPr>
-              <a:t>&gt;</a:t>
-            </a:r>
-            <a:r>
-              <a:rPr kumimoji="0" lang="ko-KR" altLang="ko-KR" sz="2000" b="0" i="0" u="none" strike="noStrike" cap="none" normalizeH="0" baseline="0" dirty="0">
-                <a:ln>
-                  <a:noFill/>
-                </a:ln>
-                <a:solidFill>
-                  <a:srgbClr val="7030A0"/>
-                </a:solidFill>
-                <a:effectLst/>
-                <a:latin typeface="Abadi" panose="020B0604020104020204" pitchFamily="34" charset="0"/>
-                <a:ea typeface="Courier New" panose="02070309020205020404" pitchFamily="49" charset="0"/>
-              </a:rPr>
-              <a:t> </a:t>
-            </a:r>
-            <a:endParaRPr kumimoji="0" lang="en-US" altLang="ko-KR" sz="2000" b="0" i="0" u="none" strike="noStrike" cap="none" normalizeH="0" baseline="0" dirty="0">
-              <a:ln>
-                <a:noFill/>
-              </a:ln>
-              <a:solidFill>
-                <a:srgbClr val="7030A0"/>
-              </a:solidFill>
-              <a:effectLst/>
-              <a:latin typeface="Abadi" panose="020B0604020104020204" pitchFamily="34" charset="0"/>
-              <a:ea typeface="Courier New" panose="02070309020205020404" pitchFamily="49" charset="0"/>
-            </a:endParaRPr>
-          </a:p>
-          <a:p>
-            <a:pPr marL="0" marR="0" lvl="0" indent="0" algn="l" defTabSz="914400" rtl="0" eaLnBrk="0" fontAlgn="base" latinLnBrk="0" hangingPunct="0">
-              <a:lnSpc>
-                <a:spcPct val="100000"/>
-              </a:lnSpc>
-              <a:spcBef>
-                <a:spcPct val="0"/>
-              </a:spcBef>
-              <a:spcAft>
-                <a:spcPct val="0"/>
-              </a:spcAft>
-              <a:buClrTx/>
-              <a:buSzTx/>
-              <a:buFontTx/>
-              <a:buNone/>
-              <a:tabLst/>
-            </a:pPr>
-            <a:r>
-              <a:rPr kumimoji="0" lang="ko-KR" altLang="ko-KR" sz="2000" b="1" i="0" u="none" strike="noStrike" cap="none" normalizeH="0" baseline="0" dirty="0" err="1">
-                <a:ln>
-                  <a:noFill/>
-                </a:ln>
-                <a:effectLst/>
-                <a:latin typeface="Abadi" panose="020B0604020104020204" pitchFamily="34" charset="0"/>
-                <a:ea typeface="Courier New" panose="02070309020205020404" pitchFamily="49" charset="0"/>
-              </a:rPr>
-              <a:t>ssize_t</a:t>
-            </a:r>
-            <a:r>
-              <a:rPr kumimoji="0" lang="ko-KR" altLang="ko-KR" sz="2000" b="1" i="0" u="none" strike="noStrike" cap="none" normalizeH="0" baseline="0" dirty="0">
-                <a:ln>
-                  <a:noFill/>
-                </a:ln>
-                <a:effectLst/>
-                <a:latin typeface="Abadi" panose="020B0604020104020204" pitchFamily="34" charset="0"/>
-                <a:ea typeface="Courier New" panose="02070309020205020404" pitchFamily="49" charset="0"/>
-              </a:rPr>
-              <a:t> </a:t>
-            </a:r>
-            <a:r>
-              <a:rPr kumimoji="0" lang="ko-KR" altLang="ko-KR" sz="2000" b="1" i="0" u="none" strike="noStrike" cap="none" normalizeH="0" baseline="0" dirty="0" err="1">
-                <a:ln>
-                  <a:noFill/>
-                </a:ln>
-                <a:effectLst/>
-                <a:latin typeface="Abadi" panose="020B0604020104020204" pitchFamily="34" charset="0"/>
-                <a:ea typeface="Courier New" panose="02070309020205020404" pitchFamily="49" charset="0"/>
-              </a:rPr>
-              <a:t>send</a:t>
-            </a:r>
-            <a:r>
-              <a:rPr kumimoji="0" lang="ko-KR" altLang="ko-KR" sz="2000" b="1" i="0" u="none" strike="noStrike" cap="none" normalizeH="0" baseline="0" dirty="0">
-                <a:ln>
-                  <a:noFill/>
-                </a:ln>
-                <a:effectLst/>
-                <a:latin typeface="Abadi" panose="020B0604020104020204" pitchFamily="34" charset="0"/>
-                <a:ea typeface="Courier New" panose="02070309020205020404" pitchFamily="49" charset="0"/>
-              </a:rPr>
-              <a:t>(</a:t>
-            </a:r>
-            <a:r>
-              <a:rPr kumimoji="0" lang="ko-KR" altLang="ko-KR" sz="2000" b="1" i="0" u="none" strike="noStrike" cap="none" normalizeH="0" baseline="0" dirty="0" err="1">
-                <a:ln>
-                  <a:noFill/>
-                </a:ln>
-                <a:effectLst/>
-                <a:latin typeface="Abadi" panose="020B0604020104020204" pitchFamily="34" charset="0"/>
-                <a:ea typeface="Courier New" panose="02070309020205020404" pitchFamily="49" charset="0"/>
-              </a:rPr>
-              <a:t>int</a:t>
-            </a:r>
-            <a:r>
-              <a:rPr kumimoji="0" lang="ko-KR" altLang="ko-KR" sz="2000" b="1" i="0" u="none" strike="noStrike" cap="none" normalizeH="0" baseline="0" dirty="0">
-                <a:ln>
-                  <a:noFill/>
-                </a:ln>
-                <a:effectLst/>
-                <a:latin typeface="Abadi" panose="020B0604020104020204" pitchFamily="34" charset="0"/>
-                <a:ea typeface="Courier New" panose="02070309020205020404" pitchFamily="49" charset="0"/>
-              </a:rPr>
-              <a:t> </a:t>
-            </a:r>
-            <a:r>
-              <a:rPr kumimoji="0" lang="ko-KR" altLang="ko-KR" sz="2000" b="0" i="1" u="none" strike="noStrike" cap="none" normalizeH="0" baseline="0" dirty="0" err="1">
-                <a:ln>
-                  <a:noFill/>
-                </a:ln>
-                <a:solidFill>
-                  <a:srgbClr val="00A44A"/>
-                </a:solidFill>
-                <a:effectLst/>
-                <a:latin typeface="Abadi" panose="020B0604020104020204" pitchFamily="34" charset="0"/>
-                <a:ea typeface="Courier New" panose="02070309020205020404" pitchFamily="49" charset="0"/>
-              </a:rPr>
-              <a:t>sockfd</a:t>
-            </a:r>
-            <a:r>
-              <a:rPr kumimoji="0" lang="ko-KR" altLang="ko-KR" sz="2000" b="1" i="0" u="none" strike="noStrike" cap="none" normalizeH="0" baseline="0" dirty="0">
-                <a:ln>
-                  <a:noFill/>
-                </a:ln>
-                <a:effectLst/>
-                <a:latin typeface="Abadi" panose="020B0604020104020204" pitchFamily="34" charset="0"/>
-                <a:ea typeface="Courier New" panose="02070309020205020404" pitchFamily="49" charset="0"/>
-              </a:rPr>
-              <a:t>, </a:t>
-            </a:r>
-            <a:r>
-              <a:rPr kumimoji="0" lang="ko-KR" altLang="ko-KR" sz="2000" b="1" i="0" u="none" strike="noStrike" cap="none" normalizeH="0" baseline="0" dirty="0" err="1">
-                <a:ln>
-                  <a:noFill/>
-                </a:ln>
-                <a:effectLst/>
-                <a:latin typeface="Abadi" panose="020B0604020104020204" pitchFamily="34" charset="0"/>
-                <a:ea typeface="Courier New" panose="02070309020205020404" pitchFamily="49" charset="0"/>
-              </a:rPr>
-              <a:t>const</a:t>
-            </a:r>
-            <a:r>
-              <a:rPr kumimoji="0" lang="ko-KR" altLang="ko-KR" sz="2000" b="1" i="0" u="none" strike="noStrike" cap="none" normalizeH="0" baseline="0" dirty="0">
-                <a:ln>
-                  <a:noFill/>
-                </a:ln>
-                <a:effectLst/>
-                <a:latin typeface="Abadi" panose="020B0604020104020204" pitchFamily="34" charset="0"/>
-                <a:ea typeface="Courier New" panose="02070309020205020404" pitchFamily="49" charset="0"/>
-              </a:rPr>
-              <a:t> </a:t>
-            </a:r>
-            <a:r>
-              <a:rPr kumimoji="0" lang="ko-KR" altLang="ko-KR" sz="2000" b="1" i="0" u="none" strike="noStrike" cap="none" normalizeH="0" baseline="0" dirty="0" err="1">
-                <a:ln>
-                  <a:noFill/>
-                </a:ln>
-                <a:effectLst/>
-                <a:latin typeface="Abadi" panose="020B0604020104020204" pitchFamily="34" charset="0"/>
-                <a:ea typeface="Courier New" panose="02070309020205020404" pitchFamily="49" charset="0"/>
-              </a:rPr>
-              <a:t>void</a:t>
-            </a:r>
-            <a:r>
-              <a:rPr kumimoji="0" lang="ko-KR" altLang="ko-KR" sz="2000" b="1" i="0" u="none" strike="noStrike" cap="none" normalizeH="0" baseline="0" dirty="0">
-                <a:ln>
-                  <a:noFill/>
-                </a:ln>
-                <a:effectLst/>
-                <a:latin typeface="Abadi" panose="020B0604020104020204" pitchFamily="34" charset="0"/>
-                <a:ea typeface="Courier New" panose="02070309020205020404" pitchFamily="49" charset="0"/>
-              </a:rPr>
-              <a:t> *</a:t>
-            </a:r>
-            <a:r>
-              <a:rPr kumimoji="0" lang="ko-KR" altLang="ko-KR" sz="2000" b="0" i="1" u="none" strike="noStrike" cap="none" normalizeH="0" baseline="0" dirty="0" err="1">
-                <a:ln>
-                  <a:noFill/>
-                </a:ln>
-                <a:solidFill>
-                  <a:srgbClr val="00A44A"/>
-                </a:solidFill>
-                <a:effectLst/>
-                <a:latin typeface="Abadi" panose="020B0604020104020204" pitchFamily="34" charset="0"/>
-                <a:ea typeface="Courier New" panose="02070309020205020404" pitchFamily="49" charset="0"/>
-              </a:rPr>
-              <a:t>buf</a:t>
-            </a:r>
-            <a:r>
-              <a:rPr kumimoji="0" lang="ko-KR" altLang="ko-KR" sz="2000" b="1" i="0" u="none" strike="noStrike" cap="none" normalizeH="0" baseline="0" dirty="0">
-                <a:ln>
-                  <a:noFill/>
-                </a:ln>
-                <a:effectLst/>
-                <a:latin typeface="Abadi" panose="020B0604020104020204" pitchFamily="34" charset="0"/>
-                <a:ea typeface="Courier New" panose="02070309020205020404" pitchFamily="49" charset="0"/>
-              </a:rPr>
-              <a:t>, </a:t>
-            </a:r>
-            <a:r>
-              <a:rPr kumimoji="0" lang="ko-KR" altLang="ko-KR" sz="2000" b="1" i="0" u="none" strike="noStrike" cap="none" normalizeH="0" baseline="0" dirty="0" err="1">
-                <a:ln>
-                  <a:noFill/>
-                </a:ln>
-                <a:effectLst/>
-                <a:latin typeface="Abadi" panose="020B0604020104020204" pitchFamily="34" charset="0"/>
-                <a:ea typeface="Courier New" panose="02070309020205020404" pitchFamily="49" charset="0"/>
-              </a:rPr>
-              <a:t>size_t</a:t>
-            </a:r>
-            <a:r>
-              <a:rPr kumimoji="0" lang="ko-KR" altLang="ko-KR" sz="2000" b="1" i="0" u="none" strike="noStrike" cap="none" normalizeH="0" baseline="0" dirty="0">
-                <a:ln>
-                  <a:noFill/>
-                </a:ln>
-                <a:effectLst/>
-                <a:latin typeface="Abadi" panose="020B0604020104020204" pitchFamily="34" charset="0"/>
-                <a:ea typeface="Courier New" panose="02070309020205020404" pitchFamily="49" charset="0"/>
-              </a:rPr>
-              <a:t> </a:t>
-            </a:r>
-            <a:r>
-              <a:rPr kumimoji="0" lang="ko-KR" altLang="ko-KR" sz="2000" b="0" i="1" u="none" strike="noStrike" cap="none" normalizeH="0" baseline="0" dirty="0" err="1">
-                <a:ln>
-                  <a:noFill/>
-                </a:ln>
-                <a:solidFill>
-                  <a:srgbClr val="00A44A"/>
-                </a:solidFill>
-                <a:effectLst/>
-                <a:latin typeface="Abadi" panose="020B0604020104020204" pitchFamily="34" charset="0"/>
-                <a:ea typeface="Courier New" panose="02070309020205020404" pitchFamily="49" charset="0"/>
-              </a:rPr>
-              <a:t>len</a:t>
-            </a:r>
-            <a:r>
-              <a:rPr kumimoji="0" lang="ko-KR" altLang="ko-KR" sz="2000" b="1" i="0" u="none" strike="noStrike" cap="none" normalizeH="0" baseline="0" dirty="0">
-                <a:ln>
-                  <a:noFill/>
-                </a:ln>
-                <a:effectLst/>
-                <a:latin typeface="Abadi" panose="020B0604020104020204" pitchFamily="34" charset="0"/>
-                <a:ea typeface="Courier New" panose="02070309020205020404" pitchFamily="49" charset="0"/>
-              </a:rPr>
-              <a:t>, </a:t>
-            </a:r>
-            <a:r>
-              <a:rPr kumimoji="0" lang="ko-KR" altLang="ko-KR" sz="2000" b="1" i="0" u="none" strike="noStrike" cap="none" normalizeH="0" baseline="0" dirty="0" err="1">
-                <a:ln>
-                  <a:noFill/>
-                </a:ln>
-                <a:effectLst/>
-                <a:latin typeface="Abadi" panose="020B0604020104020204" pitchFamily="34" charset="0"/>
-                <a:ea typeface="Courier New" panose="02070309020205020404" pitchFamily="49" charset="0"/>
-              </a:rPr>
-              <a:t>int</a:t>
-            </a:r>
-            <a:r>
-              <a:rPr kumimoji="0" lang="ko-KR" altLang="ko-KR" sz="2000" b="1" i="0" u="none" strike="noStrike" cap="none" normalizeH="0" baseline="0" dirty="0">
-                <a:ln>
-                  <a:noFill/>
-                </a:ln>
-                <a:effectLst/>
-                <a:latin typeface="Abadi" panose="020B0604020104020204" pitchFamily="34" charset="0"/>
-                <a:ea typeface="Courier New" panose="02070309020205020404" pitchFamily="49" charset="0"/>
-              </a:rPr>
-              <a:t> </a:t>
-            </a:r>
-            <a:r>
-              <a:rPr kumimoji="0" lang="ko-KR" altLang="ko-KR" sz="2000" b="0" i="1" u="none" strike="noStrike" cap="none" normalizeH="0" baseline="0" dirty="0" err="1">
-                <a:ln>
-                  <a:noFill/>
-                </a:ln>
-                <a:solidFill>
-                  <a:srgbClr val="00A44A"/>
-                </a:solidFill>
-                <a:effectLst/>
-                <a:latin typeface="Abadi" panose="020B0604020104020204" pitchFamily="34" charset="0"/>
-                <a:ea typeface="Courier New" panose="02070309020205020404" pitchFamily="49" charset="0"/>
-              </a:rPr>
-              <a:t>flags</a:t>
-            </a:r>
-            <a:r>
-              <a:rPr kumimoji="0" lang="ko-KR" altLang="ko-KR" sz="2000" b="1" i="0" u="none" strike="noStrike" cap="none" normalizeH="0" baseline="0" dirty="0">
-                <a:ln>
-                  <a:noFill/>
-                </a:ln>
-                <a:effectLst/>
-                <a:latin typeface="Abadi" panose="020B0604020104020204" pitchFamily="34" charset="0"/>
-                <a:ea typeface="Courier New" panose="02070309020205020404" pitchFamily="49" charset="0"/>
-              </a:rPr>
-              <a:t>);</a:t>
-            </a:r>
-            <a:r>
-              <a:rPr kumimoji="0" lang="ko-KR" altLang="ko-KR" sz="2000" b="0" i="0" u="none" strike="noStrike" cap="none" normalizeH="0" baseline="0" dirty="0">
-                <a:ln>
-                  <a:noFill/>
-                </a:ln>
-                <a:effectLst/>
-                <a:latin typeface="Abadi" panose="020B0604020104020204" pitchFamily="34" charset="0"/>
-                <a:ea typeface="Courier New" panose="02070309020205020404" pitchFamily="49" charset="0"/>
-              </a:rPr>
-              <a:t> </a:t>
-            </a:r>
-            <a:endParaRPr kumimoji="0" lang="en-US" altLang="ko-KR" sz="2000" b="0" i="0" u="none" strike="noStrike" cap="none" normalizeH="0" baseline="0" dirty="0">
-              <a:ln>
-                <a:noFill/>
-              </a:ln>
-              <a:effectLst/>
-              <a:latin typeface="Abadi" panose="020B0604020104020204" pitchFamily="34" charset="0"/>
-              <a:ea typeface="Courier New" panose="02070309020205020404" pitchFamily="49" charset="0"/>
-            </a:endParaRPr>
-          </a:p>
-          <a:p>
-            <a:pPr marL="0" marR="0" lvl="0" indent="0" algn="l" defTabSz="914400" rtl="0" eaLnBrk="0" fontAlgn="base" latinLnBrk="0" hangingPunct="0">
-              <a:lnSpc>
-                <a:spcPct val="100000"/>
-              </a:lnSpc>
-              <a:spcBef>
-                <a:spcPct val="0"/>
-              </a:spcBef>
-              <a:spcAft>
-                <a:spcPct val="0"/>
-              </a:spcAft>
-              <a:buClrTx/>
-              <a:buSzTx/>
-              <a:buFontTx/>
-              <a:buNone/>
-              <a:tabLst/>
-            </a:pPr>
-            <a:endParaRPr kumimoji="0" lang="ko-KR" altLang="ko-KR" sz="1400" b="0" i="0" u="none" strike="noStrike" cap="none" normalizeH="0" baseline="0" dirty="0">
-              <a:ln>
-                <a:noFill/>
-              </a:ln>
-              <a:effectLst/>
-              <a:latin typeface="Abadi" panose="020B0604020104020204" pitchFamily="34" charset="0"/>
-            </a:endParaRPr>
-          </a:p>
-        </p:txBody>
-      </p:sp>
-      <p:sp>
-        <p:nvSpPr>
-          <p:cNvPr id="23" name="TextBox 22">
-            <a:extLst>
-              <a:ext uri="{FF2B5EF4-FFF2-40B4-BE49-F238E27FC236}">
-                <a16:creationId xmlns:a16="http://schemas.microsoft.com/office/drawing/2014/main" id="{6C5EB935-51BA-499A-BEBB-FF2584D253BF}"/>
-              </a:ext>
-            </a:extLst>
-          </p:cNvPr>
-          <p:cNvSpPr txBox="1"/>
-          <p:nvPr/>
-        </p:nvSpPr>
-        <p:spPr>
-          <a:xfrm>
-            <a:off x="4705350" y="6389419"/>
-            <a:ext cx="4253776" cy="261610"/>
-          </a:xfrm>
-          <a:prstGeom prst="rect">
-            <a:avLst/>
-          </a:prstGeom>
-          <a:noFill/>
-        </p:spPr>
-        <p:txBody>
-          <a:bodyPr wrap="square">
-            <a:spAutoFit/>
-          </a:bodyPr>
-          <a:lstStyle/>
-          <a:p>
-            <a:r>
-              <a:rPr lang="en-US" altLang="ko-KR" sz="1100" dirty="0">
-                <a:solidFill>
-                  <a:srgbClr val="00A44A"/>
-                </a:solidFill>
-              </a:rPr>
-              <a:t>Source : https://man7.org/linux/man-pages/man2/send.2.html</a:t>
-            </a:r>
-            <a:endParaRPr lang="ko-KR" altLang="en-US" sz="1100" dirty="0">
               <a:solidFill>
                 <a:srgbClr val="00A44A"/>
               </a:solidFill>

--- a/DKU_Computer_Network_socket_programming2022.pptx
+++ b/DKU_Computer_Network_socket_programming2022.pptx
@@ -11206,7 +11206,7 @@
         <p:spPr>
           <a:xfrm>
             <a:off x="9102169" y="5374352"/>
-            <a:ext cx="2975615" cy="261610"/>
+            <a:ext cx="2975615" cy="600164"/>
           </a:xfrm>
           <a:prstGeom prst="rect">
             <a:avLst/>
@@ -11225,7 +11225,15 @@
                   <a:srgbClr val="00A44A"/>
                 </a:solidFill>
               </a:rPr>
-              <a:t>Source : https://www.geeksforgeeks.org/soc</a:t>
+              <a:t>Source </a:t>
+            </a:r>
+            <a:r>
+              <a:rPr lang="en-US" altLang="ko-KR" sz="1100">
+                <a:solidFill>
+                  <a:srgbClr val="00A44A"/>
+                </a:solidFill>
+              </a:rPr>
+              <a:t>: https://www.geeksforgeeks.org/socket-programming-cc/</a:t>
             </a:r>
             <a:endParaRPr lang="ko-KR" altLang="en-US" sz="1100" dirty="0">
               <a:solidFill>
@@ -11851,7 +11859,7 @@
         <p:spPr>
           <a:xfrm>
             <a:off x="9102169" y="5374352"/>
-            <a:ext cx="2975615" cy="261610"/>
+            <a:ext cx="2975615" cy="600164"/>
           </a:xfrm>
           <a:prstGeom prst="rect">
             <a:avLst/>
@@ -11870,7 +11878,7 @@
                   <a:srgbClr val="00A44A"/>
                 </a:solidFill>
               </a:rPr>
-              <a:t>Source : https://www.geeksforgeeks.org/soc</a:t>
+              <a:t>Source : https://www.geeksforgeeks.org/socket-programming-cc/</a:t>
             </a:r>
             <a:endParaRPr lang="ko-KR" altLang="en-US" sz="1100" dirty="0">
               <a:solidFill>
